--- a/Sprint 7/Artefatos_Sprint7.pptx
+++ b/Sprint 7/Artefatos_Sprint7.pptx
@@ -4769,6 +4769,30 @@
           </a:p>
         </p:txBody>
       </p:sp>
+      <p:pic>
+        <p:nvPicPr>
+          <p:cNvPr id="2" name="Imagem 1"/>
+          <p:cNvPicPr>
+            <a:picLocks noChangeAspect="1"/>
+          </p:cNvPicPr>
+          <p:nvPr/>
+        </p:nvPicPr>
+        <p:blipFill>
+          <a:blip r:embed="rId2"/>
+          <a:stretch>
+            <a:fillRect/>
+          </a:stretch>
+        </p:blipFill>
+        <p:spPr>
+          <a:xfrm>
+            <a:off x="0" y="1148314"/>
+            <a:ext cx="9144000" cy="3992989"/>
+          </a:xfrm>
+          <a:prstGeom prst="rect">
+            <a:avLst/>
+          </a:prstGeom>
+        </p:spPr>
+      </p:pic>
     </p:spTree>
   </p:cSld>
   <p:clrMapOvr>
@@ -4879,6 +4903,30 @@
           </a:p>
         </p:txBody>
       </p:sp>
+      <p:pic>
+        <p:nvPicPr>
+          <p:cNvPr id="2" name="Imagem 1"/>
+          <p:cNvPicPr>
+            <a:picLocks noChangeAspect="1"/>
+          </p:cNvPicPr>
+          <p:nvPr/>
+        </p:nvPicPr>
+        <p:blipFill>
+          <a:blip r:embed="rId2"/>
+          <a:stretch>
+            <a:fillRect/>
+          </a:stretch>
+        </p:blipFill>
+        <p:spPr>
+          <a:xfrm>
+            <a:off x="0" y="1165820"/>
+            <a:ext cx="9144000" cy="4080420"/>
+          </a:xfrm>
+          <a:prstGeom prst="rect">
+            <a:avLst/>
+          </a:prstGeom>
+        </p:spPr>
+      </p:pic>
     </p:spTree>
   </p:cSld>
   <p:clrMapOvr>
@@ -4988,6 +5036,30 @@
           </a:p>
         </p:txBody>
       </p:sp>
+      <p:pic>
+        <p:nvPicPr>
+          <p:cNvPr id="2" name="Imagem 1"/>
+          <p:cNvPicPr>
+            <a:picLocks noChangeAspect="1"/>
+          </p:cNvPicPr>
+          <p:nvPr/>
+        </p:nvPicPr>
+        <p:blipFill>
+          <a:blip r:embed="rId2"/>
+          <a:stretch>
+            <a:fillRect/>
+          </a:stretch>
+        </p:blipFill>
+        <p:spPr>
+          <a:xfrm>
+            <a:off x="93342" y="1168854"/>
+            <a:ext cx="8978740" cy="3974646"/>
+          </a:xfrm>
+          <a:prstGeom prst="rect">
+            <a:avLst/>
+          </a:prstGeom>
+        </p:spPr>
+      </p:pic>
     </p:spTree>
   </p:cSld>
   <p:clrMapOvr>
